--- a/Presentation- Project 4.pptx
+++ b/Presentation- Project 4.pptx
@@ -17,9 +17,9 @@
     <p:sldId id="278" r:id="rId8"/>
     <p:sldId id="268" r:id="rId9"/>
     <p:sldId id="280" r:id="rId10"/>
-    <p:sldId id="281" r:id="rId11"/>
-    <p:sldId id="301" r:id="rId12"/>
-    <p:sldId id="282" r:id="rId13"/>
+    <p:sldId id="301" r:id="rId11"/>
+    <p:sldId id="282" r:id="rId12"/>
+    <p:sldId id="281" r:id="rId13"/>
     <p:sldId id="275" r:id="rId14"/>
     <p:sldId id="283" r:id="rId15"/>
     <p:sldId id="284" r:id="rId16"/>
@@ -2404,7 +2404,7 @@
 <dgm:dataModel xmlns:dgm="http://schemas.openxmlformats.org/drawingml/2006/diagram" xmlns:a="http://schemas.openxmlformats.org/drawingml/2006/main">
   <dgm:ptLst>
     <dgm:pt modelId="{03E07080-FFE6-443A-B181-109888A14688}" type="doc">
-      <dgm:prSet loTypeId="urn:microsoft.com/office/officeart/2005/8/layout/default" loCatId="list" qsTypeId="urn:microsoft.com/office/officeart/2005/8/quickstyle/simple1" qsCatId="simple" csTypeId="urn:microsoft.com/office/officeart/2005/8/colors/accent1_2" csCatId="accent1"/>
+      <dgm:prSet loTypeId="urn:microsoft.com/office/officeart/2005/8/layout/default" loCatId="list" qsTypeId="urn:microsoft.com/office/officeart/2005/8/quickstyle/simple1" qsCatId="simple" csTypeId="urn:microsoft.com/office/officeart/2005/8/colors/accent1_2" csCatId="accent1" phldr="1"/>
       <dgm:spPr/>
       <dgm:t>
         <a:bodyPr/>
@@ -2607,10 +2607,10 @@
         <a:lstStyle/>
         <a:p>
           <a:r>
-            <a:rPr lang="en-AU"/>
-            <a:t>Technology Used </a:t>
+            <a:rPr lang="en-AU" dirty="0"/>
+            <a:t>ETL &amp; Modelling</a:t>
           </a:r>
-          <a:endParaRPr lang="en-US"/>
+          <a:endParaRPr lang="en-US" dirty="0"/>
         </a:p>
       </dgm:t>
     </dgm:pt>
@@ -2644,10 +2644,10 @@
         <a:lstStyle/>
         <a:p>
           <a:r>
-            <a:rPr lang="en-AU"/>
-            <a:t>Tools Used </a:t>
+            <a:rPr lang="en-AU" dirty="0"/>
+            <a:t>Models Used </a:t>
           </a:r>
-          <a:endParaRPr lang="en-US"/>
+          <a:endParaRPr lang="en-US" dirty="0"/>
         </a:p>
       </dgm:t>
     </dgm:pt>
@@ -2681,10 +2681,10 @@
         <a:lstStyle/>
         <a:p>
           <a:r>
-            <a:rPr lang="en-AU"/>
-            <a:t>Output Screen</a:t>
+            <a:rPr lang="en-AU" dirty="0"/>
+            <a:t>Analysis &amp; prediction</a:t>
           </a:r>
-          <a:endParaRPr lang="en-US"/>
+          <a:endParaRPr lang="en-US" dirty="0"/>
         </a:p>
       </dgm:t>
     </dgm:pt>
@@ -3804,10 +3804,10 @@
             <a:buNone/>
           </a:pPr>
           <a:r>
-            <a:rPr lang="en-AU" sz="2400" kern="1200"/>
-            <a:t>Technology Used </a:t>
+            <a:rPr lang="en-AU" sz="2400" kern="1200" dirty="0"/>
+            <a:t>ETL &amp; Modelling</a:t>
           </a:r>
-          <a:endParaRPr lang="en-US" sz="2400" kern="1200"/>
+          <a:endParaRPr lang="en-US" sz="2400" kern="1200" dirty="0"/>
         </a:p>
       </dsp:txBody>
       <dsp:txXfrm>
@@ -3882,10 +3882,10 @@
             <a:buNone/>
           </a:pPr>
           <a:r>
-            <a:rPr lang="en-AU" sz="2400" kern="1200"/>
-            <a:t>Tools Used </a:t>
+            <a:rPr lang="en-AU" sz="2400" kern="1200" dirty="0"/>
+            <a:t>Models Used </a:t>
           </a:r>
-          <a:endParaRPr lang="en-US" sz="2400" kern="1200"/>
+          <a:endParaRPr lang="en-US" sz="2400" kern="1200" dirty="0"/>
         </a:p>
       </dsp:txBody>
       <dsp:txXfrm>
@@ -3960,10 +3960,10 @@
             <a:buNone/>
           </a:pPr>
           <a:r>
-            <a:rPr lang="en-AU" sz="2400" kern="1200"/>
-            <a:t>Output Screen</a:t>
+            <a:rPr lang="en-AU" sz="2400" kern="1200" dirty="0"/>
+            <a:t>Analysis &amp; prediction</a:t>
           </a:r>
-          <a:endParaRPr lang="en-US" sz="2400" kern="1200"/>
+          <a:endParaRPr lang="en-US" sz="2400" kern="1200" dirty="0"/>
         </a:p>
       </dsp:txBody>
       <dsp:txXfrm>
@@ -13825,33 +13825,34 @@
           <a:p>
             <a:pPr rtl="0"/>
             <a:r>
-              <a:rPr lang="en-GB" dirty="0"/>
+              <a:rPr lang="en-GB"/>
               <a:t>WELCOME </a:t>
             </a:r>
             <a:br>
-              <a:rPr lang="en-GB" dirty="0"/>
+              <a:rPr lang="en-GB"/>
             </a:br>
             <a:r>
-              <a:rPr lang="en-GB" dirty="0"/>
+              <a:rPr lang="en-GB"/>
               <a:t>       TO </a:t>
             </a:r>
             <a:br>
-              <a:rPr lang="en-GB" dirty="0"/>
+              <a:rPr lang="en-GB"/>
             </a:br>
             <a:r>
-              <a:rPr lang="en-GB" dirty="0"/>
+              <a:rPr lang="en-GB"/>
               <a:t>PROJECT 04</a:t>
             </a:r>
             <a:br>
-              <a:rPr lang="en-GB" dirty="0"/>
+              <a:rPr lang="en-GB"/>
             </a:br>
             <a:br>
-              <a:rPr lang="en-GB" dirty="0"/>
+              <a:rPr lang="en-GB"/>
             </a:br>
             <a:r>
-              <a:rPr lang="en-GB" dirty="0"/>
+              <a:rPr lang="en-GB"/>
               <a:t> PRESENTATION</a:t>
             </a:r>
+            <a:endParaRPr lang="en-GB" dirty="0"/>
           </a:p>
         </p:txBody>
       </p:sp>
@@ -22238,7 +22239,7 @@
             <p:ph idx="1"/>
             <p:extLst>
               <p:ext uri="{D42A27DB-BD31-4B8C-83A1-F6EECF244321}">
-                <p14:modId xmlns:p14="http://schemas.microsoft.com/office/powerpoint/2010/main" val="3136309618"/>
+                <p14:modId xmlns:p14="http://schemas.microsoft.com/office/powerpoint/2010/main" val="1044070523"/>
               </p:ext>
             </p:extLst>
           </p:nvPr>
@@ -22413,815 +22414,6 @@
 </file>
 
 <file path=ppt/slides/slide7.xml><?xml version="1.0" encoding="utf-8"?>
-<p:sld xmlns:a="http://schemas.openxmlformats.org/drawingml/2006/main" xmlns:r="http://schemas.openxmlformats.org/officeDocument/2006/relationships" xmlns:p="http://schemas.openxmlformats.org/presentationml/2006/main">
-  <p:cSld>
-    <p:bg>
-      <p:bgPr>
-        <a:blipFill rotWithShape="1">
-          <a:blip r:embed="rId2"/>
-          <a:stretch/>
-        </a:blipFill>
-        <a:effectLst/>
-      </p:bgPr>
-    </p:bg>
-    <p:spTree>
-      <p:nvGrpSpPr>
-        <p:cNvPr id="1" name=""/>
-        <p:cNvGrpSpPr/>
-        <p:nvPr/>
-      </p:nvGrpSpPr>
-      <p:grpSpPr>
-        <a:xfrm>
-          <a:off x="0" y="0"/>
-          <a:ext cx="0" cy="0"/>
-          <a:chOff x="0" y="0"/>
-          <a:chExt cx="0" cy="0"/>
-        </a:xfrm>
-      </p:grpSpPr>
-      <p:pic>
-        <p:nvPicPr>
-          <p:cNvPr id="7" name="Picture 6">
-            <a:extLst>
-              <a:ext uri="{FF2B5EF4-FFF2-40B4-BE49-F238E27FC236}">
-                <a16:creationId xmlns:a16="http://schemas.microsoft.com/office/drawing/2014/main" id="{3DBBA26C-89C3-411F-9753-606A413F89AF}"/>
-              </a:ext>
-              <a:ext uri="{C183D7F6-B498-43B3-948B-1728B52AA6E4}">
-                <adec:decorative xmlns:adec="http://schemas.microsoft.com/office/drawing/2017/decorative" val="1"/>
-              </a:ext>
-            </a:extLst>
-          </p:cNvPr>
-          <p:cNvPicPr>
-            <a:picLocks noGrp="1" noRot="1" noChangeAspect="1" noMove="1" noResize="1" noEditPoints="1" noAdjustHandles="1" noChangeArrowheads="1" noChangeShapeType="1" noCrop="1"/>
-          </p:cNvPicPr>
-          <p:nvPr>
-            <p:extLst>
-              <p:ext uri="{386F3935-93C4-4BCD-93E2-E3B085C9AB24}">
-                <p16:designElem xmlns:p16="http://schemas.microsoft.com/office/powerpoint/2015/main" val="1"/>
-              </p:ext>
-            </p:extLst>
-          </p:nvPr>
-        </p:nvPicPr>
-        <p:blipFill>
-          <a:blip r:embed="rId3">
-            <a:extLst>
-              <a:ext uri="{28A0092B-C50C-407E-A947-70E740481C1C}">
-                <a14:useLocalDpi xmlns:a14="http://schemas.microsoft.com/office/drawing/2010/main" val="0"/>
-              </a:ext>
-            </a:extLst>
-          </a:blip>
-          <a:stretch>
-            <a:fillRect/>
-          </a:stretch>
-        </p:blipFill>
-        <p:spPr>
-          <a:xfrm>
-            <a:off x="2831794" y="2105202"/>
-            <a:ext cx="9360205" cy="4752798"/>
-          </a:xfrm>
-          <a:prstGeom prst="rect">
-            <a:avLst/>
-          </a:prstGeom>
-        </p:spPr>
-      </p:pic>
-      <p:pic>
-        <p:nvPicPr>
-          <p:cNvPr id="9" name="Picture 8">
-            <a:extLst>
-              <a:ext uri="{FF2B5EF4-FFF2-40B4-BE49-F238E27FC236}">
-                <a16:creationId xmlns:a16="http://schemas.microsoft.com/office/drawing/2014/main" id="{EEAD2215-6311-4D1C-B6B5-F57CB6BFCBCA}"/>
-              </a:ext>
-              <a:ext uri="{C183D7F6-B498-43B3-948B-1728B52AA6E4}">
-                <adec:decorative xmlns:adec="http://schemas.microsoft.com/office/drawing/2017/decorative" val="1"/>
-              </a:ext>
-            </a:extLst>
-          </p:cNvPr>
-          <p:cNvPicPr>
-            <a:picLocks noGrp="1" noRot="1" noChangeAspect="1" noMove="1" noResize="1" noEditPoints="1" noAdjustHandles="1" noChangeArrowheads="1" noChangeShapeType="1" noCrop="1"/>
-          </p:cNvPicPr>
-          <p:nvPr>
-            <p:extLst>
-              <p:ext uri="{386F3935-93C4-4BCD-93E2-E3B085C9AB24}">
-                <p16:designElem xmlns:p16="http://schemas.microsoft.com/office/powerpoint/2015/main" val="1"/>
-              </p:ext>
-            </p:extLst>
-          </p:nvPr>
-        </p:nvPicPr>
-        <p:blipFill>
-          <a:blip r:embed="rId4">
-            <a:extLst>
-              <a:ext uri="{28A0092B-C50C-407E-A947-70E740481C1C}">
-                <a14:useLocalDpi xmlns:a14="http://schemas.microsoft.com/office/drawing/2010/main" val="0"/>
-              </a:ext>
-            </a:extLst>
-          </a:blip>
-          <a:stretch>
-            <a:fillRect/>
-          </a:stretch>
-        </p:blipFill>
-        <p:spPr>
-          <a:xfrm>
-            <a:off x="0" y="0"/>
-            <a:ext cx="12189867" cy="6858000"/>
-          </a:xfrm>
-          <a:prstGeom prst="rect">
-            <a:avLst/>
-          </a:prstGeom>
-        </p:spPr>
-      </p:pic>
-      <p:sp>
-        <p:nvSpPr>
-          <p:cNvPr id="11" name="Rectangle 10">
-            <a:extLst>
-              <a:ext uri="{FF2B5EF4-FFF2-40B4-BE49-F238E27FC236}">
-                <a16:creationId xmlns:a16="http://schemas.microsoft.com/office/drawing/2014/main" id="{7BA5DE79-30D1-4A10-8DB9-0A6E523A9723}"/>
-              </a:ext>
-              <a:ext uri="{C183D7F6-B498-43B3-948B-1728B52AA6E4}">
-                <adec:decorative xmlns:adec="http://schemas.microsoft.com/office/drawing/2017/decorative" val="1"/>
-              </a:ext>
-            </a:extLst>
-          </p:cNvPr>
-          <p:cNvSpPr>
-            <a:spLocks noGrp="1" noRot="1" noChangeAspect="1" noMove="1" noResize="1" noEditPoints="1" noAdjustHandles="1" noChangeArrowheads="1" noChangeShapeType="1" noTextEdit="1"/>
-          </p:cNvSpPr>
-          <p:nvPr>
-            <p:extLst>
-              <p:ext uri="{386F3935-93C4-4BCD-93E2-E3B085C9AB24}">
-                <p16:designElem xmlns:p16="http://schemas.microsoft.com/office/powerpoint/2015/main" val="1"/>
-              </p:ext>
-            </p:extLst>
-          </p:nvPr>
-        </p:nvSpPr>
-        <p:spPr>
-          <a:xfrm>
-            <a:off x="0" y="0"/>
-            <a:ext cx="964174" cy="6858000"/>
-          </a:xfrm>
-          <a:prstGeom prst="rect">
-            <a:avLst/>
-          </a:prstGeom>
-          <a:solidFill>
-            <a:schemeClr val="bg2"/>
-          </a:solidFill>
-          <a:ln>
-            <a:noFill/>
-          </a:ln>
-        </p:spPr>
-        <p:style>
-          <a:lnRef idx="2">
-            <a:schemeClr val="accent1">
-              <a:shade val="50000"/>
-            </a:schemeClr>
-          </a:lnRef>
-          <a:fillRef idx="1">
-            <a:schemeClr val="accent1"/>
-          </a:fillRef>
-          <a:effectRef idx="0">
-            <a:schemeClr val="accent1"/>
-          </a:effectRef>
-          <a:fontRef idx="minor">
-            <a:schemeClr val="lt1"/>
-          </a:fontRef>
-        </p:style>
-      </p:sp>
-      <p:sp>
-        <p:nvSpPr>
-          <p:cNvPr id="13" name="Rectangle 12">
-            <a:extLst>
-              <a:ext uri="{FF2B5EF4-FFF2-40B4-BE49-F238E27FC236}">
-                <a16:creationId xmlns:a16="http://schemas.microsoft.com/office/drawing/2014/main" id="{9ABD0D63-D23F-4AE7-8270-4185EF9C1C25}"/>
-              </a:ext>
-              <a:ext uri="{C183D7F6-B498-43B3-948B-1728B52AA6E4}">
-                <adec:decorative xmlns:adec="http://schemas.microsoft.com/office/drawing/2017/decorative" val="1"/>
-              </a:ext>
-            </a:extLst>
-          </p:cNvPr>
-          <p:cNvSpPr>
-            <a:spLocks noGrp="1" noRot="1" noChangeAspect="1" noMove="1" noResize="1" noEditPoints="1" noAdjustHandles="1" noChangeArrowheads="1" noChangeShapeType="1" noTextEdit="1"/>
-          </p:cNvSpPr>
-          <p:nvPr>
-            <p:extLst>
-              <p:ext uri="{386F3935-93C4-4BCD-93E2-E3B085C9AB24}">
-                <p16:designElem xmlns:p16="http://schemas.microsoft.com/office/powerpoint/2015/main" val="1"/>
-              </p:ext>
-            </p:extLst>
-          </p:nvPr>
-        </p:nvSpPr>
-        <p:spPr>
-          <a:xfrm>
-            <a:off x="962042" y="0"/>
-            <a:ext cx="45719" cy="6858000"/>
-          </a:xfrm>
-          <a:prstGeom prst="rect">
-            <a:avLst/>
-          </a:prstGeom>
-          <a:solidFill>
-            <a:schemeClr val="accent6"/>
-          </a:solidFill>
-          <a:ln>
-            <a:noFill/>
-          </a:ln>
-        </p:spPr>
-        <p:style>
-          <a:lnRef idx="2">
-            <a:schemeClr val="accent1">
-              <a:shade val="50000"/>
-            </a:schemeClr>
-          </a:lnRef>
-          <a:fillRef idx="1">
-            <a:schemeClr val="accent1"/>
-          </a:fillRef>
-          <a:effectRef idx="0">
-            <a:schemeClr val="accent1"/>
-          </a:effectRef>
-          <a:fontRef idx="minor">
-            <a:schemeClr val="lt1"/>
-          </a:fontRef>
-        </p:style>
-      </p:sp>
-      <p:sp>
-        <p:nvSpPr>
-          <p:cNvPr id="15" name="Rectangle 14">
-            <a:extLst>
-              <a:ext uri="{FF2B5EF4-FFF2-40B4-BE49-F238E27FC236}">
-                <a16:creationId xmlns:a16="http://schemas.microsoft.com/office/drawing/2014/main" id="{72168E9E-94E9-4BE3-B88C-C8A468117753}"/>
-              </a:ext>
-              <a:ext uri="{C183D7F6-B498-43B3-948B-1728B52AA6E4}">
-                <adec:decorative xmlns:adec="http://schemas.microsoft.com/office/drawing/2017/decorative" val="1"/>
-              </a:ext>
-            </a:extLst>
-          </p:cNvPr>
-          <p:cNvSpPr>
-            <a:spLocks noGrp="1" noRot="1" noChangeAspect="1" noMove="1" noResize="1" noEditPoints="1" noAdjustHandles="1" noChangeArrowheads="1" noChangeShapeType="1" noTextEdit="1"/>
-          </p:cNvSpPr>
-          <p:nvPr>
-            <p:extLst>
-              <p:ext uri="{386F3935-93C4-4BCD-93E2-E3B085C9AB24}">
-                <p16:designElem xmlns:p16="http://schemas.microsoft.com/office/powerpoint/2015/main" val="1"/>
-              </p:ext>
-            </p:extLst>
-          </p:nvPr>
-        </p:nvSpPr>
-        <p:spPr>
-          <a:xfrm>
-            <a:off x="1007533" y="0"/>
-            <a:ext cx="7934348" cy="6858000"/>
-          </a:xfrm>
-          <a:prstGeom prst="rect">
-            <a:avLst/>
-          </a:prstGeom>
-          <a:solidFill>
-            <a:schemeClr val="bg2">
-              <a:alpha val="92000"/>
-            </a:schemeClr>
-          </a:solidFill>
-          <a:ln>
-            <a:noFill/>
-          </a:ln>
-        </p:spPr>
-        <p:style>
-          <a:lnRef idx="2">
-            <a:schemeClr val="accent1">
-              <a:shade val="50000"/>
-            </a:schemeClr>
-          </a:lnRef>
-          <a:fillRef idx="1">
-            <a:schemeClr val="accent1"/>
-          </a:fillRef>
-          <a:effectRef idx="0">
-            <a:schemeClr val="accent1"/>
-          </a:effectRef>
-          <a:fontRef idx="minor">
-            <a:schemeClr val="lt1"/>
-          </a:fontRef>
-        </p:style>
-      </p:sp>
-      <p:sp>
-        <p:nvSpPr>
-          <p:cNvPr id="17" name="Rectangle 16">
-            <a:extLst>
-              <a:ext uri="{FF2B5EF4-FFF2-40B4-BE49-F238E27FC236}">
-                <a16:creationId xmlns:a16="http://schemas.microsoft.com/office/drawing/2014/main" id="{12107AC1-AA0D-4097-B03D-FD3C632AB886}"/>
-              </a:ext>
-              <a:ext uri="{C183D7F6-B498-43B3-948B-1728B52AA6E4}">
-                <adec:decorative xmlns:adec="http://schemas.microsoft.com/office/drawing/2017/decorative" val="1"/>
-              </a:ext>
-            </a:extLst>
-          </p:cNvPr>
-          <p:cNvSpPr>
-            <a:spLocks noGrp="1" noRot="1" noChangeAspect="1" noMove="1" noResize="1" noEditPoints="1" noAdjustHandles="1" noChangeArrowheads="1" noChangeShapeType="1" noTextEdit="1"/>
-          </p:cNvSpPr>
-          <p:nvPr>
-            <p:extLst>
-              <p:ext uri="{386F3935-93C4-4BCD-93E2-E3B085C9AB24}">
-                <p16:designElem xmlns:p16="http://schemas.microsoft.com/office/powerpoint/2015/main" val="1"/>
-              </p:ext>
-            </p:extLst>
-          </p:nvPr>
-        </p:nvSpPr>
-        <p:spPr>
-          <a:xfrm>
-            <a:off x="8941881" y="0"/>
-            <a:ext cx="27432" cy="6858000"/>
-          </a:xfrm>
-          <a:prstGeom prst="rect">
-            <a:avLst/>
-          </a:prstGeom>
-          <a:solidFill>
-            <a:schemeClr val="accent6"/>
-          </a:solidFill>
-          <a:ln>
-            <a:noFill/>
-          </a:ln>
-        </p:spPr>
-        <p:style>
-          <a:lnRef idx="2">
-            <a:schemeClr val="accent1">
-              <a:shade val="50000"/>
-            </a:schemeClr>
-          </a:lnRef>
-          <a:fillRef idx="1">
-            <a:schemeClr val="accent1"/>
-          </a:fillRef>
-          <a:effectRef idx="0">
-            <a:schemeClr val="accent1"/>
-          </a:effectRef>
-          <a:fontRef idx="minor">
-            <a:schemeClr val="lt1"/>
-          </a:fontRef>
-        </p:style>
-      </p:sp>
-      <p:sp>
-        <p:nvSpPr>
-          <p:cNvPr id="19" name="TextBox 18">
-            <a:extLst>
-              <a:ext uri="{FF2B5EF4-FFF2-40B4-BE49-F238E27FC236}">
-                <a16:creationId xmlns:a16="http://schemas.microsoft.com/office/drawing/2014/main" id="{7C8D231A-EC46-4736-B00F-76D307082204}"/>
-              </a:ext>
-              <a:ext uri="{C183D7F6-B498-43B3-948B-1728B52AA6E4}">
-                <adec:decorative xmlns:adec="http://schemas.microsoft.com/office/drawing/2017/decorative" val="1"/>
-              </a:ext>
-            </a:extLst>
-          </p:cNvPr>
-          <p:cNvSpPr txBox="1">
-            <a:spLocks noGrp="1" noRot="1" noChangeAspect="1" noMove="1" noResize="1" noEditPoints="1" noAdjustHandles="1" noChangeArrowheads="1" noChangeShapeType="1" noTextEdit="1"/>
-          </p:cNvSpPr>
-          <p:nvPr>
-            <p:extLst>
-              <p:ext uri="{386F3935-93C4-4BCD-93E2-E3B085C9AB24}">
-                <p16:designElem xmlns:p16="http://schemas.microsoft.com/office/powerpoint/2015/main" val="1"/>
-              </p:ext>
-            </p:extLst>
-          </p:nvPr>
-        </p:nvSpPr>
-        <p:spPr>
-          <a:xfrm>
-            <a:off x="2191282" y="3262852"/>
-            <a:ext cx="415636" cy="461665"/>
-          </a:xfrm>
-          <a:prstGeom prst="rect">
-            <a:avLst/>
-          </a:prstGeom>
-          <a:noFill/>
-        </p:spPr>
-        <p:txBody>
-          <a:bodyPr wrap="square" rtlCol="0">
-            <a:spAutoFit/>
-          </a:bodyPr>
-          <a:lstStyle/>
-          <a:p>
-            <a:pPr algn="r">
-              <a:spcAft>
-                <a:spcPts val="600"/>
-              </a:spcAft>
-            </a:pPr>
-            <a:r>
-              <a:rPr lang="en-US" sz="2400" dirty="0">
-                <a:solidFill>
-                  <a:schemeClr val="accent6"/>
-                </a:solidFill>
-                <a:latin typeface="Wingdings 3" panose="05040102010807070707" pitchFamily="18" charset="2"/>
-              </a:rPr>
-              <a:t>z</a:t>
-            </a:r>
-            <a:endParaRPr lang="en-US" sz="2400" dirty="0">
-              <a:solidFill>
-                <a:schemeClr val="accent6"/>
-              </a:solidFill>
-              <a:latin typeface="MS Shell Dlg 2" panose="020B0604030504040204" pitchFamily="34" charset="0"/>
-            </a:endParaRPr>
-          </a:p>
-        </p:txBody>
-      </p:sp>
-      <p:sp useBgFill="1">
-        <p:nvSpPr>
-          <p:cNvPr id="21" name="Rectangle 20">
-            <a:extLst>
-              <a:ext uri="{FF2B5EF4-FFF2-40B4-BE49-F238E27FC236}">
-                <a16:creationId xmlns:a16="http://schemas.microsoft.com/office/drawing/2014/main" id="{3C38C329-05C1-44E0-942C-D7A60A7F2810}"/>
-              </a:ext>
-              <a:ext uri="{C183D7F6-B498-43B3-948B-1728B52AA6E4}">
-                <adec:decorative xmlns:adec="http://schemas.microsoft.com/office/drawing/2017/decorative" val="1"/>
-              </a:ext>
-            </a:extLst>
-          </p:cNvPr>
-          <p:cNvSpPr>
-            <a:spLocks noGrp="1" noRot="1" noChangeAspect="1" noMove="1" noResize="1" noEditPoints="1" noAdjustHandles="1" noChangeArrowheads="1" noChangeShapeType="1" noTextEdit="1"/>
-          </p:cNvSpPr>
-          <p:nvPr>
-            <p:extLst>
-              <p:ext uri="{386F3935-93C4-4BCD-93E2-E3B085C9AB24}">
-                <p16:designElem xmlns:p16="http://schemas.microsoft.com/office/powerpoint/2015/main" val="1"/>
-              </p:ext>
-            </p:extLst>
-          </p:nvPr>
-        </p:nvSpPr>
-        <p:spPr>
-          <a:xfrm>
-            <a:off x="0" y="-1"/>
-            <a:ext cx="12192000" cy="6858001"/>
-          </a:xfrm>
-          <a:prstGeom prst="rect">
-            <a:avLst/>
-          </a:prstGeom>
-          <a:ln>
-            <a:noFill/>
-          </a:ln>
-        </p:spPr>
-        <p:style>
-          <a:lnRef idx="2">
-            <a:schemeClr val="accent1">
-              <a:shade val="50000"/>
-            </a:schemeClr>
-          </a:lnRef>
-          <a:fillRef idx="1">
-            <a:schemeClr val="accent1"/>
-          </a:fillRef>
-          <a:effectRef idx="0">
-            <a:schemeClr val="accent1"/>
-          </a:effectRef>
-          <a:fontRef idx="minor">
-            <a:schemeClr val="lt1"/>
-          </a:fontRef>
-        </p:style>
-        <p:txBody>
-          <a:bodyPr rtlCol="0" anchor="ctr"/>
-          <a:lstStyle/>
-          <a:p>
-            <a:pPr algn="ctr"/>
-            <a:endParaRPr lang="en-US"/>
-          </a:p>
-        </p:txBody>
-      </p:sp>
-      <p:pic>
-        <p:nvPicPr>
-          <p:cNvPr id="23" name="Picture 22">
-            <a:extLst>
-              <a:ext uri="{FF2B5EF4-FFF2-40B4-BE49-F238E27FC236}">
-                <a16:creationId xmlns:a16="http://schemas.microsoft.com/office/drawing/2014/main" id="{A40E99DB-69B1-42D9-9A2E-A196302E0CAC}"/>
-              </a:ext>
-              <a:ext uri="{C183D7F6-B498-43B3-948B-1728B52AA6E4}">
-                <adec:decorative xmlns:adec="http://schemas.microsoft.com/office/drawing/2017/decorative" val="1"/>
-              </a:ext>
-            </a:extLst>
-          </p:cNvPr>
-          <p:cNvPicPr>
-            <a:picLocks noGrp="1" noRot="1" noChangeAspect="1" noMove="1" noResize="1" noEditPoints="1" noAdjustHandles="1" noChangeArrowheads="1" noChangeShapeType="1" noCrop="1"/>
-          </p:cNvPicPr>
-          <p:nvPr>
-            <p:extLst>
-              <p:ext uri="{386F3935-93C4-4BCD-93E2-E3B085C9AB24}">
-                <p16:designElem xmlns:p16="http://schemas.microsoft.com/office/powerpoint/2015/main" val="1"/>
-              </p:ext>
-            </p:extLst>
-          </p:nvPr>
-        </p:nvPicPr>
-        <p:blipFill>
-          <a:blip r:embed="rId4">
-            <a:extLst>
-              <a:ext uri="{28A0092B-C50C-407E-A947-70E740481C1C}">
-                <a14:useLocalDpi xmlns:a14="http://schemas.microsoft.com/office/drawing/2010/main" val="0"/>
-              </a:ext>
-            </a:extLst>
-          </a:blip>
-          <a:stretch>
-            <a:fillRect/>
-          </a:stretch>
-        </p:blipFill>
-        <p:spPr>
-          <a:xfrm>
-            <a:off x="0" y="0"/>
-            <a:ext cx="12189867" cy="6858000"/>
-          </a:xfrm>
-          <a:prstGeom prst="rect">
-            <a:avLst/>
-          </a:prstGeom>
-        </p:spPr>
-      </p:pic>
-      <p:sp>
-        <p:nvSpPr>
-          <p:cNvPr id="25" name="Rectangle 24">
-            <a:extLst>
-              <a:ext uri="{FF2B5EF4-FFF2-40B4-BE49-F238E27FC236}">
-                <a16:creationId xmlns:a16="http://schemas.microsoft.com/office/drawing/2014/main" id="{60DFF115-119D-479E-9D15-475C47026639}"/>
-              </a:ext>
-              <a:ext uri="{C183D7F6-B498-43B3-948B-1728B52AA6E4}">
-                <adec:decorative xmlns:adec="http://schemas.microsoft.com/office/drawing/2017/decorative" val="1"/>
-              </a:ext>
-            </a:extLst>
-          </p:cNvPr>
-          <p:cNvSpPr>
-            <a:spLocks noGrp="1" noRot="1" noChangeAspect="1" noMove="1" noResize="1" noEditPoints="1" noAdjustHandles="1" noChangeArrowheads="1" noChangeShapeType="1" noTextEdit="1"/>
-          </p:cNvSpPr>
-          <p:nvPr>
-            <p:extLst>
-              <p:ext uri="{386F3935-93C4-4BCD-93E2-E3B085C9AB24}">
-                <p16:designElem xmlns:p16="http://schemas.microsoft.com/office/powerpoint/2015/main" val="1"/>
-              </p:ext>
-            </p:extLst>
-          </p:nvPr>
-        </p:nvSpPr>
-        <p:spPr>
-          <a:xfrm>
-            <a:off x="0" y="0"/>
-            <a:ext cx="12192000" cy="6858001"/>
-          </a:xfrm>
-          <a:prstGeom prst="rect">
-            <a:avLst/>
-          </a:prstGeom>
-          <a:solidFill>
-            <a:schemeClr val="accent6">
-              <a:lumMod val="50000"/>
-              <a:alpha val="50000"/>
-            </a:schemeClr>
-          </a:solidFill>
-          <a:ln>
-            <a:noFill/>
-          </a:ln>
-        </p:spPr>
-        <p:style>
-          <a:lnRef idx="2">
-            <a:schemeClr val="accent1">
-              <a:shade val="50000"/>
-            </a:schemeClr>
-          </a:lnRef>
-          <a:fillRef idx="1">
-            <a:schemeClr val="accent1"/>
-          </a:fillRef>
-          <a:effectRef idx="0">
-            <a:schemeClr val="accent1"/>
-          </a:effectRef>
-          <a:fontRef idx="minor">
-            <a:schemeClr val="lt1"/>
-          </a:fontRef>
-        </p:style>
-        <p:txBody>
-          <a:bodyPr rtlCol="0" anchor="ctr"/>
-          <a:lstStyle/>
-          <a:p>
-            <a:pPr algn="ctr"/>
-            <a:endParaRPr lang="en-US"/>
-          </a:p>
-        </p:txBody>
-      </p:sp>
-      <p:sp>
-        <p:nvSpPr>
-          <p:cNvPr id="27" name="Rectangle 26">
-            <a:extLst>
-              <a:ext uri="{FF2B5EF4-FFF2-40B4-BE49-F238E27FC236}">
-                <a16:creationId xmlns:a16="http://schemas.microsoft.com/office/drawing/2014/main" id="{DA98F3A3-687B-4002-93F2-58E8590DC79F}"/>
-              </a:ext>
-              <a:ext uri="{C183D7F6-B498-43B3-948B-1728B52AA6E4}">
-                <adec:decorative xmlns:adec="http://schemas.microsoft.com/office/drawing/2017/decorative" val="1"/>
-              </a:ext>
-            </a:extLst>
-          </p:cNvPr>
-          <p:cNvSpPr>
-            <a:spLocks noGrp="1" noRot="1" noChangeAspect="1" noMove="1" noResize="1" noEditPoints="1" noAdjustHandles="1" noChangeArrowheads="1" noChangeShapeType="1" noTextEdit="1"/>
-          </p:cNvSpPr>
-          <p:nvPr>
-            <p:extLst>
-              <p:ext uri="{386F3935-93C4-4BCD-93E2-E3B085C9AB24}">
-                <p16:designElem xmlns:p16="http://schemas.microsoft.com/office/powerpoint/2015/main" val="1"/>
-              </p:ext>
-            </p:extLst>
-          </p:nvPr>
-        </p:nvSpPr>
-        <p:spPr>
-          <a:xfrm>
-            <a:off x="0" y="0"/>
-            <a:ext cx="964174" cy="6858000"/>
-          </a:xfrm>
-          <a:prstGeom prst="rect">
-            <a:avLst/>
-          </a:prstGeom>
-          <a:solidFill>
-            <a:schemeClr val="bg2">
-              <a:lumMod val="90000"/>
-              <a:lumOff val="10000"/>
-            </a:schemeClr>
-          </a:solidFill>
-          <a:ln>
-            <a:noFill/>
-          </a:ln>
-        </p:spPr>
-        <p:style>
-          <a:lnRef idx="2">
-            <a:schemeClr val="accent1">
-              <a:shade val="50000"/>
-            </a:schemeClr>
-          </a:lnRef>
-          <a:fillRef idx="1">
-            <a:schemeClr val="accent1"/>
-          </a:fillRef>
-          <a:effectRef idx="0">
-            <a:schemeClr val="accent1"/>
-          </a:effectRef>
-          <a:fontRef idx="minor">
-            <a:schemeClr val="lt1"/>
-          </a:fontRef>
-        </p:style>
-      </p:sp>
-      <p:sp>
-        <p:nvSpPr>
-          <p:cNvPr id="29" name="Rectangle 28">
-            <a:extLst>
-              <a:ext uri="{FF2B5EF4-FFF2-40B4-BE49-F238E27FC236}">
-                <a16:creationId xmlns:a16="http://schemas.microsoft.com/office/drawing/2014/main" id="{27A1367E-049C-45E5-9C32-CC32DCEAEF94}"/>
-              </a:ext>
-              <a:ext uri="{C183D7F6-B498-43B3-948B-1728B52AA6E4}">
-                <adec:decorative xmlns:adec="http://schemas.microsoft.com/office/drawing/2017/decorative" val="1"/>
-              </a:ext>
-            </a:extLst>
-          </p:cNvPr>
-          <p:cNvSpPr>
-            <a:spLocks noGrp="1" noRot="1" noChangeAspect="1" noMove="1" noResize="1" noEditPoints="1" noAdjustHandles="1" noChangeArrowheads="1" noChangeShapeType="1" noTextEdit="1"/>
-          </p:cNvSpPr>
-          <p:nvPr>
-            <p:extLst>
-              <p:ext uri="{386F3935-93C4-4BCD-93E2-E3B085C9AB24}">
-                <p16:designElem xmlns:p16="http://schemas.microsoft.com/office/powerpoint/2015/main" val="1"/>
-              </p:ext>
-            </p:extLst>
-          </p:nvPr>
-        </p:nvSpPr>
-        <p:spPr>
-          <a:xfrm>
-            <a:off x="964174" y="0"/>
-            <a:ext cx="9590000" cy="6858000"/>
-          </a:xfrm>
-          <a:prstGeom prst="rect">
-            <a:avLst/>
-          </a:prstGeom>
-          <a:solidFill>
-            <a:schemeClr val="bg2"/>
-          </a:solidFill>
-          <a:ln>
-            <a:noFill/>
-          </a:ln>
-        </p:spPr>
-        <p:style>
-          <a:lnRef idx="2">
-            <a:schemeClr val="accent1">
-              <a:shade val="50000"/>
-            </a:schemeClr>
-          </a:lnRef>
-          <a:fillRef idx="1">
-            <a:schemeClr val="accent1"/>
-          </a:fillRef>
-          <a:effectRef idx="0">
-            <a:schemeClr val="accent1"/>
-          </a:effectRef>
-          <a:fontRef idx="minor">
-            <a:schemeClr val="lt1"/>
-          </a:fontRef>
-        </p:style>
-      </p:sp>
-      <p:sp>
-        <p:nvSpPr>
-          <p:cNvPr id="2" name="Title 1">
-            <a:extLst>
-              <a:ext uri="{FF2B5EF4-FFF2-40B4-BE49-F238E27FC236}">
-                <a16:creationId xmlns:a16="http://schemas.microsoft.com/office/drawing/2014/main" id="{23CBEC94-A3AB-C695-385D-78A8885142F4}"/>
-              </a:ext>
-            </a:extLst>
-          </p:cNvPr>
-          <p:cNvSpPr>
-            <a:spLocks noGrp="1"/>
-          </p:cNvSpPr>
-          <p:nvPr>
-            <p:ph type="title"/>
-          </p:nvPr>
-        </p:nvSpPr>
-        <p:spPr>
-          <a:xfrm>
-            <a:off x="1330284" y="487443"/>
-            <a:ext cx="8513100" cy="5117852"/>
-          </a:xfrm>
-        </p:spPr>
-        <p:txBody>
-          <a:bodyPr vert="horz" lIns="91440" tIns="45720" rIns="91440" bIns="45720" rtlCol="0" anchor="ctr">
-            <a:normAutofit/>
-          </a:bodyPr>
-          <a:lstStyle/>
-          <a:p>
-            <a:pPr algn="l"/>
-            <a:r>
-              <a:rPr lang="en-US" sz="2900"/>
-              <a:t>In recent times, finding the ideal housing option according to budget and preferences is such a hassle. The cost of house rent depends on many factors such as; the house size, number of bedrooms, locality, number of bathrooms, halls, and kitchen, furnishing status, and a lot more. With the use of appropriate machine learning algorithms, real estate owners can find the ideal house according to customers’ budgets and preferences with ease.</a:t>
-            </a:r>
-            <a:br>
-              <a:rPr lang="en-US" sz="2900"/>
-            </a:br>
-            <a:br>
-              <a:rPr lang="en-US" sz="2900"/>
-            </a:br>
-            <a:endParaRPr lang="en-US" sz="2900"/>
-          </a:p>
-        </p:txBody>
-      </p:sp>
-      <p:sp>
-        <p:nvSpPr>
-          <p:cNvPr id="31" name="Rectangle 30">
-            <a:extLst>
-              <a:ext uri="{FF2B5EF4-FFF2-40B4-BE49-F238E27FC236}">
-                <a16:creationId xmlns:a16="http://schemas.microsoft.com/office/drawing/2014/main" id="{7E1CAA8C-D8F1-4D3B-87B4-4B17F3E28819}"/>
-              </a:ext>
-              <a:ext uri="{C183D7F6-B498-43B3-948B-1728B52AA6E4}">
-                <adec:decorative xmlns:adec="http://schemas.microsoft.com/office/drawing/2017/decorative" val="1"/>
-              </a:ext>
-            </a:extLst>
-          </p:cNvPr>
-          <p:cNvSpPr>
-            <a:spLocks noGrp="1" noRot="1" noChangeAspect="1" noMove="1" noResize="1" noEditPoints="1" noAdjustHandles="1" noChangeArrowheads="1" noChangeShapeType="1" noTextEdit="1"/>
-          </p:cNvSpPr>
-          <p:nvPr>
-            <p:extLst>
-              <p:ext uri="{386F3935-93C4-4BCD-93E2-E3B085C9AB24}">
-                <p16:designElem xmlns:p16="http://schemas.microsoft.com/office/powerpoint/2015/main" val="1"/>
-              </p:ext>
-            </p:extLst>
-          </p:nvPr>
-        </p:nvSpPr>
-        <p:spPr>
-          <a:xfrm>
-            <a:off x="10545674" y="0"/>
-            <a:ext cx="27432" cy="6858000"/>
-          </a:xfrm>
-          <a:prstGeom prst="rect">
-            <a:avLst/>
-          </a:prstGeom>
-          <a:solidFill>
-            <a:schemeClr val="accent6">
-              <a:lumMod val="50000"/>
-            </a:schemeClr>
-          </a:solidFill>
-          <a:ln>
-            <a:noFill/>
-          </a:ln>
-        </p:spPr>
-        <p:style>
-          <a:lnRef idx="2">
-            <a:schemeClr val="accent1">
-              <a:shade val="50000"/>
-            </a:schemeClr>
-          </a:lnRef>
-          <a:fillRef idx="1">
-            <a:schemeClr val="accent1"/>
-          </a:fillRef>
-          <a:effectRef idx="0">
-            <a:schemeClr val="accent1"/>
-          </a:effectRef>
-          <a:fontRef idx="minor">
-            <a:schemeClr val="lt1"/>
-          </a:fontRef>
-        </p:style>
-      </p:sp>
-    </p:spTree>
-    <p:extLst>
-      <p:ext uri="{BB962C8B-B14F-4D97-AF65-F5344CB8AC3E}">
-        <p14:creationId xmlns:p14="http://schemas.microsoft.com/office/powerpoint/2010/main" val="809496311"/>
-      </p:ext>
-    </p:extLst>
-  </p:cSld>
-  <p:clrMapOvr>
-    <a:masterClrMapping/>
-  </p:clrMapOvr>
-  <mc:AlternateContent xmlns:mc="http://schemas.openxmlformats.org/markup-compatibility/2006" xmlns:p14="http://schemas.microsoft.com/office/powerpoint/2010/main">
-    <mc:Choice Requires="p14">
-      <p:transition spd="med" p14:dur="700">
-        <p:fade/>
-      </p:transition>
-    </mc:Choice>
-    <mc:Fallback xmlns="">
-      <p:transition spd="med">
-        <p:fade/>
-      </p:transition>
-    </mc:Fallback>
-  </mc:AlternateContent>
-</p:sld>
-</file>
-
-<file path=ppt/slides/slide8.xml><?xml version="1.0" encoding="utf-8"?>
 <p:sld xmlns:a="http://schemas.openxmlformats.org/drawingml/2006/main" xmlns:r="http://schemas.openxmlformats.org/officeDocument/2006/relationships" xmlns:p="http://schemas.openxmlformats.org/presentationml/2006/main">
   <p:cSld>
     <p:bg>
@@ -24285,7 +23477,7 @@
 </p:sld>
 </file>
 
-<file path=ppt/slides/slide9.xml><?xml version="1.0" encoding="utf-8"?>
+<file path=ppt/slides/slide8.xml><?xml version="1.0" encoding="utf-8"?>
 <p:sld xmlns:a="http://schemas.openxmlformats.org/drawingml/2006/main" xmlns:r="http://schemas.openxmlformats.org/officeDocument/2006/relationships" xmlns:p="http://schemas.openxmlformats.org/presentationml/2006/main">
   <p:cSld>
     <p:spTree>
@@ -24430,6 +23622,828 @@
     <p:extLst>
       <p:ext uri="{BB962C8B-B14F-4D97-AF65-F5344CB8AC3E}">
         <p14:creationId xmlns:p14="http://schemas.microsoft.com/office/powerpoint/2010/main" val="624933141"/>
+      </p:ext>
+    </p:extLst>
+  </p:cSld>
+  <p:clrMapOvr>
+    <a:masterClrMapping/>
+  </p:clrMapOvr>
+  <mc:AlternateContent xmlns:mc="http://schemas.openxmlformats.org/markup-compatibility/2006" xmlns:p14="http://schemas.microsoft.com/office/powerpoint/2010/main">
+    <mc:Choice Requires="p14">
+      <p:transition spd="med" p14:dur="700">
+        <p:fade/>
+      </p:transition>
+    </mc:Choice>
+    <mc:Fallback xmlns="">
+      <p:transition spd="med">
+        <p:fade/>
+      </p:transition>
+    </mc:Fallback>
+  </mc:AlternateContent>
+</p:sld>
+</file>
+
+<file path=ppt/slides/slide9.xml><?xml version="1.0" encoding="utf-8"?>
+<p:sld xmlns:a="http://schemas.openxmlformats.org/drawingml/2006/main" xmlns:r="http://schemas.openxmlformats.org/officeDocument/2006/relationships" xmlns:p="http://schemas.openxmlformats.org/presentationml/2006/main">
+  <p:cSld>
+    <p:bg>
+      <p:bgPr>
+        <a:blipFill rotWithShape="1">
+          <a:blip r:embed="rId2"/>
+          <a:stretch/>
+        </a:blipFill>
+        <a:effectLst/>
+      </p:bgPr>
+    </p:bg>
+    <p:spTree>
+      <p:nvGrpSpPr>
+        <p:cNvPr id="1" name=""/>
+        <p:cNvGrpSpPr/>
+        <p:nvPr/>
+      </p:nvGrpSpPr>
+      <p:grpSpPr>
+        <a:xfrm>
+          <a:off x="0" y="0"/>
+          <a:ext cx="0" cy="0"/>
+          <a:chOff x="0" y="0"/>
+          <a:chExt cx="0" cy="0"/>
+        </a:xfrm>
+      </p:grpSpPr>
+      <p:pic>
+        <p:nvPicPr>
+          <p:cNvPr id="7" name="Picture 6">
+            <a:extLst>
+              <a:ext uri="{FF2B5EF4-FFF2-40B4-BE49-F238E27FC236}">
+                <a16:creationId xmlns:a16="http://schemas.microsoft.com/office/drawing/2014/main" id="{3DBBA26C-89C3-411F-9753-606A413F89AF}"/>
+              </a:ext>
+              <a:ext uri="{C183D7F6-B498-43B3-948B-1728B52AA6E4}">
+                <adec:decorative xmlns:adec="http://schemas.microsoft.com/office/drawing/2017/decorative" val="1"/>
+              </a:ext>
+            </a:extLst>
+          </p:cNvPr>
+          <p:cNvPicPr>
+            <a:picLocks noGrp="1" noRot="1" noChangeAspect="1" noMove="1" noResize="1" noEditPoints="1" noAdjustHandles="1" noChangeArrowheads="1" noChangeShapeType="1" noCrop="1"/>
+          </p:cNvPicPr>
+          <p:nvPr>
+            <p:extLst>
+              <p:ext uri="{386F3935-93C4-4BCD-93E2-E3B085C9AB24}">
+                <p16:designElem xmlns:p16="http://schemas.microsoft.com/office/powerpoint/2015/main" val="1"/>
+              </p:ext>
+            </p:extLst>
+          </p:nvPr>
+        </p:nvPicPr>
+        <p:blipFill>
+          <a:blip r:embed="rId3">
+            <a:extLst>
+              <a:ext uri="{28A0092B-C50C-407E-A947-70E740481C1C}">
+                <a14:useLocalDpi xmlns:a14="http://schemas.microsoft.com/office/drawing/2010/main" val="0"/>
+              </a:ext>
+            </a:extLst>
+          </a:blip>
+          <a:stretch>
+            <a:fillRect/>
+          </a:stretch>
+        </p:blipFill>
+        <p:spPr>
+          <a:xfrm>
+            <a:off x="2831794" y="2105202"/>
+            <a:ext cx="9360205" cy="4752798"/>
+          </a:xfrm>
+          <a:prstGeom prst="rect">
+            <a:avLst/>
+          </a:prstGeom>
+        </p:spPr>
+      </p:pic>
+      <p:pic>
+        <p:nvPicPr>
+          <p:cNvPr id="9" name="Picture 8">
+            <a:extLst>
+              <a:ext uri="{FF2B5EF4-FFF2-40B4-BE49-F238E27FC236}">
+                <a16:creationId xmlns:a16="http://schemas.microsoft.com/office/drawing/2014/main" id="{EEAD2215-6311-4D1C-B6B5-F57CB6BFCBCA}"/>
+              </a:ext>
+              <a:ext uri="{C183D7F6-B498-43B3-948B-1728B52AA6E4}">
+                <adec:decorative xmlns:adec="http://schemas.microsoft.com/office/drawing/2017/decorative" val="1"/>
+              </a:ext>
+            </a:extLst>
+          </p:cNvPr>
+          <p:cNvPicPr>
+            <a:picLocks noGrp="1" noRot="1" noChangeAspect="1" noMove="1" noResize="1" noEditPoints="1" noAdjustHandles="1" noChangeArrowheads="1" noChangeShapeType="1" noCrop="1"/>
+          </p:cNvPicPr>
+          <p:nvPr>
+            <p:extLst>
+              <p:ext uri="{386F3935-93C4-4BCD-93E2-E3B085C9AB24}">
+                <p16:designElem xmlns:p16="http://schemas.microsoft.com/office/powerpoint/2015/main" val="1"/>
+              </p:ext>
+            </p:extLst>
+          </p:nvPr>
+        </p:nvPicPr>
+        <p:blipFill>
+          <a:blip r:embed="rId4">
+            <a:extLst>
+              <a:ext uri="{28A0092B-C50C-407E-A947-70E740481C1C}">
+                <a14:useLocalDpi xmlns:a14="http://schemas.microsoft.com/office/drawing/2010/main" val="0"/>
+              </a:ext>
+            </a:extLst>
+          </a:blip>
+          <a:stretch>
+            <a:fillRect/>
+          </a:stretch>
+        </p:blipFill>
+        <p:spPr>
+          <a:xfrm>
+            <a:off x="0" y="0"/>
+            <a:ext cx="12189867" cy="6858000"/>
+          </a:xfrm>
+          <a:prstGeom prst="rect">
+            <a:avLst/>
+          </a:prstGeom>
+        </p:spPr>
+      </p:pic>
+      <p:sp>
+        <p:nvSpPr>
+          <p:cNvPr id="11" name="Rectangle 10">
+            <a:extLst>
+              <a:ext uri="{FF2B5EF4-FFF2-40B4-BE49-F238E27FC236}">
+                <a16:creationId xmlns:a16="http://schemas.microsoft.com/office/drawing/2014/main" id="{7BA5DE79-30D1-4A10-8DB9-0A6E523A9723}"/>
+              </a:ext>
+              <a:ext uri="{C183D7F6-B498-43B3-948B-1728B52AA6E4}">
+                <adec:decorative xmlns:adec="http://schemas.microsoft.com/office/drawing/2017/decorative" val="1"/>
+              </a:ext>
+            </a:extLst>
+          </p:cNvPr>
+          <p:cNvSpPr>
+            <a:spLocks noGrp="1" noRot="1" noChangeAspect="1" noMove="1" noResize="1" noEditPoints="1" noAdjustHandles="1" noChangeArrowheads="1" noChangeShapeType="1" noTextEdit="1"/>
+          </p:cNvSpPr>
+          <p:nvPr>
+            <p:extLst>
+              <p:ext uri="{386F3935-93C4-4BCD-93E2-E3B085C9AB24}">
+                <p16:designElem xmlns:p16="http://schemas.microsoft.com/office/powerpoint/2015/main" val="1"/>
+              </p:ext>
+            </p:extLst>
+          </p:nvPr>
+        </p:nvSpPr>
+        <p:spPr>
+          <a:xfrm>
+            <a:off x="0" y="0"/>
+            <a:ext cx="964174" cy="6858000"/>
+          </a:xfrm>
+          <a:prstGeom prst="rect">
+            <a:avLst/>
+          </a:prstGeom>
+          <a:solidFill>
+            <a:schemeClr val="bg2"/>
+          </a:solidFill>
+          <a:ln>
+            <a:noFill/>
+          </a:ln>
+        </p:spPr>
+        <p:style>
+          <a:lnRef idx="2">
+            <a:schemeClr val="accent1">
+              <a:shade val="50000"/>
+            </a:schemeClr>
+          </a:lnRef>
+          <a:fillRef idx="1">
+            <a:schemeClr val="accent1"/>
+          </a:fillRef>
+          <a:effectRef idx="0">
+            <a:schemeClr val="accent1"/>
+          </a:effectRef>
+          <a:fontRef idx="minor">
+            <a:schemeClr val="lt1"/>
+          </a:fontRef>
+        </p:style>
+      </p:sp>
+      <p:sp>
+        <p:nvSpPr>
+          <p:cNvPr id="13" name="Rectangle 12">
+            <a:extLst>
+              <a:ext uri="{FF2B5EF4-FFF2-40B4-BE49-F238E27FC236}">
+                <a16:creationId xmlns:a16="http://schemas.microsoft.com/office/drawing/2014/main" id="{9ABD0D63-D23F-4AE7-8270-4185EF9C1C25}"/>
+              </a:ext>
+              <a:ext uri="{C183D7F6-B498-43B3-948B-1728B52AA6E4}">
+                <adec:decorative xmlns:adec="http://schemas.microsoft.com/office/drawing/2017/decorative" val="1"/>
+              </a:ext>
+            </a:extLst>
+          </p:cNvPr>
+          <p:cNvSpPr>
+            <a:spLocks noGrp="1" noRot="1" noChangeAspect="1" noMove="1" noResize="1" noEditPoints="1" noAdjustHandles="1" noChangeArrowheads="1" noChangeShapeType="1" noTextEdit="1"/>
+          </p:cNvSpPr>
+          <p:nvPr>
+            <p:extLst>
+              <p:ext uri="{386F3935-93C4-4BCD-93E2-E3B085C9AB24}">
+                <p16:designElem xmlns:p16="http://schemas.microsoft.com/office/powerpoint/2015/main" val="1"/>
+              </p:ext>
+            </p:extLst>
+          </p:nvPr>
+        </p:nvSpPr>
+        <p:spPr>
+          <a:xfrm>
+            <a:off x="962042" y="0"/>
+            <a:ext cx="45719" cy="6858000"/>
+          </a:xfrm>
+          <a:prstGeom prst="rect">
+            <a:avLst/>
+          </a:prstGeom>
+          <a:solidFill>
+            <a:schemeClr val="accent6"/>
+          </a:solidFill>
+          <a:ln>
+            <a:noFill/>
+          </a:ln>
+        </p:spPr>
+        <p:style>
+          <a:lnRef idx="2">
+            <a:schemeClr val="accent1">
+              <a:shade val="50000"/>
+            </a:schemeClr>
+          </a:lnRef>
+          <a:fillRef idx="1">
+            <a:schemeClr val="accent1"/>
+          </a:fillRef>
+          <a:effectRef idx="0">
+            <a:schemeClr val="accent1"/>
+          </a:effectRef>
+          <a:fontRef idx="minor">
+            <a:schemeClr val="lt1"/>
+          </a:fontRef>
+        </p:style>
+      </p:sp>
+      <p:sp>
+        <p:nvSpPr>
+          <p:cNvPr id="15" name="Rectangle 14">
+            <a:extLst>
+              <a:ext uri="{FF2B5EF4-FFF2-40B4-BE49-F238E27FC236}">
+                <a16:creationId xmlns:a16="http://schemas.microsoft.com/office/drawing/2014/main" id="{72168E9E-94E9-4BE3-B88C-C8A468117753}"/>
+              </a:ext>
+              <a:ext uri="{C183D7F6-B498-43B3-948B-1728B52AA6E4}">
+                <adec:decorative xmlns:adec="http://schemas.microsoft.com/office/drawing/2017/decorative" val="1"/>
+              </a:ext>
+            </a:extLst>
+          </p:cNvPr>
+          <p:cNvSpPr>
+            <a:spLocks noGrp="1" noRot="1" noChangeAspect="1" noMove="1" noResize="1" noEditPoints="1" noAdjustHandles="1" noChangeArrowheads="1" noChangeShapeType="1" noTextEdit="1"/>
+          </p:cNvSpPr>
+          <p:nvPr>
+            <p:extLst>
+              <p:ext uri="{386F3935-93C4-4BCD-93E2-E3B085C9AB24}">
+                <p16:designElem xmlns:p16="http://schemas.microsoft.com/office/powerpoint/2015/main" val="1"/>
+              </p:ext>
+            </p:extLst>
+          </p:nvPr>
+        </p:nvSpPr>
+        <p:spPr>
+          <a:xfrm>
+            <a:off x="1007533" y="0"/>
+            <a:ext cx="7934348" cy="6858000"/>
+          </a:xfrm>
+          <a:prstGeom prst="rect">
+            <a:avLst/>
+          </a:prstGeom>
+          <a:solidFill>
+            <a:schemeClr val="bg2">
+              <a:alpha val="92000"/>
+            </a:schemeClr>
+          </a:solidFill>
+          <a:ln>
+            <a:noFill/>
+          </a:ln>
+        </p:spPr>
+        <p:style>
+          <a:lnRef idx="2">
+            <a:schemeClr val="accent1">
+              <a:shade val="50000"/>
+            </a:schemeClr>
+          </a:lnRef>
+          <a:fillRef idx="1">
+            <a:schemeClr val="accent1"/>
+          </a:fillRef>
+          <a:effectRef idx="0">
+            <a:schemeClr val="accent1"/>
+          </a:effectRef>
+          <a:fontRef idx="minor">
+            <a:schemeClr val="lt1"/>
+          </a:fontRef>
+        </p:style>
+      </p:sp>
+      <p:sp>
+        <p:nvSpPr>
+          <p:cNvPr id="17" name="Rectangle 16">
+            <a:extLst>
+              <a:ext uri="{FF2B5EF4-FFF2-40B4-BE49-F238E27FC236}">
+                <a16:creationId xmlns:a16="http://schemas.microsoft.com/office/drawing/2014/main" id="{12107AC1-AA0D-4097-B03D-FD3C632AB886}"/>
+              </a:ext>
+              <a:ext uri="{C183D7F6-B498-43B3-948B-1728B52AA6E4}">
+                <adec:decorative xmlns:adec="http://schemas.microsoft.com/office/drawing/2017/decorative" val="1"/>
+              </a:ext>
+            </a:extLst>
+          </p:cNvPr>
+          <p:cNvSpPr>
+            <a:spLocks noGrp="1" noRot="1" noChangeAspect="1" noMove="1" noResize="1" noEditPoints="1" noAdjustHandles="1" noChangeArrowheads="1" noChangeShapeType="1" noTextEdit="1"/>
+          </p:cNvSpPr>
+          <p:nvPr>
+            <p:extLst>
+              <p:ext uri="{386F3935-93C4-4BCD-93E2-E3B085C9AB24}">
+                <p16:designElem xmlns:p16="http://schemas.microsoft.com/office/powerpoint/2015/main" val="1"/>
+              </p:ext>
+            </p:extLst>
+          </p:nvPr>
+        </p:nvSpPr>
+        <p:spPr>
+          <a:xfrm>
+            <a:off x="8941881" y="0"/>
+            <a:ext cx="27432" cy="6858000"/>
+          </a:xfrm>
+          <a:prstGeom prst="rect">
+            <a:avLst/>
+          </a:prstGeom>
+          <a:solidFill>
+            <a:schemeClr val="accent6"/>
+          </a:solidFill>
+          <a:ln>
+            <a:noFill/>
+          </a:ln>
+        </p:spPr>
+        <p:style>
+          <a:lnRef idx="2">
+            <a:schemeClr val="accent1">
+              <a:shade val="50000"/>
+            </a:schemeClr>
+          </a:lnRef>
+          <a:fillRef idx="1">
+            <a:schemeClr val="accent1"/>
+          </a:fillRef>
+          <a:effectRef idx="0">
+            <a:schemeClr val="accent1"/>
+          </a:effectRef>
+          <a:fontRef idx="minor">
+            <a:schemeClr val="lt1"/>
+          </a:fontRef>
+        </p:style>
+      </p:sp>
+      <p:sp>
+        <p:nvSpPr>
+          <p:cNvPr id="19" name="TextBox 18">
+            <a:extLst>
+              <a:ext uri="{FF2B5EF4-FFF2-40B4-BE49-F238E27FC236}">
+                <a16:creationId xmlns:a16="http://schemas.microsoft.com/office/drawing/2014/main" id="{7C8D231A-EC46-4736-B00F-76D307082204}"/>
+              </a:ext>
+              <a:ext uri="{C183D7F6-B498-43B3-948B-1728B52AA6E4}">
+                <adec:decorative xmlns:adec="http://schemas.microsoft.com/office/drawing/2017/decorative" val="1"/>
+              </a:ext>
+            </a:extLst>
+          </p:cNvPr>
+          <p:cNvSpPr txBox="1">
+            <a:spLocks noGrp="1" noRot="1" noChangeAspect="1" noMove="1" noResize="1" noEditPoints="1" noAdjustHandles="1" noChangeArrowheads="1" noChangeShapeType="1" noTextEdit="1"/>
+          </p:cNvSpPr>
+          <p:nvPr>
+            <p:extLst>
+              <p:ext uri="{386F3935-93C4-4BCD-93E2-E3B085C9AB24}">
+                <p16:designElem xmlns:p16="http://schemas.microsoft.com/office/powerpoint/2015/main" val="1"/>
+              </p:ext>
+            </p:extLst>
+          </p:nvPr>
+        </p:nvSpPr>
+        <p:spPr>
+          <a:xfrm>
+            <a:off x="2191282" y="3262852"/>
+            <a:ext cx="415636" cy="461665"/>
+          </a:xfrm>
+          <a:prstGeom prst="rect">
+            <a:avLst/>
+          </a:prstGeom>
+          <a:noFill/>
+        </p:spPr>
+        <p:txBody>
+          <a:bodyPr wrap="square" rtlCol="0">
+            <a:spAutoFit/>
+          </a:bodyPr>
+          <a:lstStyle/>
+          <a:p>
+            <a:pPr algn="r">
+              <a:spcAft>
+                <a:spcPts val="600"/>
+              </a:spcAft>
+            </a:pPr>
+            <a:r>
+              <a:rPr lang="en-US" sz="2400" dirty="0">
+                <a:solidFill>
+                  <a:schemeClr val="accent6"/>
+                </a:solidFill>
+                <a:latin typeface="Wingdings 3" panose="05040102010807070707" pitchFamily="18" charset="2"/>
+              </a:rPr>
+              <a:t>z</a:t>
+            </a:r>
+            <a:endParaRPr lang="en-US" sz="2400" dirty="0">
+              <a:solidFill>
+                <a:schemeClr val="accent6"/>
+              </a:solidFill>
+              <a:latin typeface="MS Shell Dlg 2" panose="020B0604030504040204" pitchFamily="34" charset="0"/>
+            </a:endParaRPr>
+          </a:p>
+        </p:txBody>
+      </p:sp>
+      <p:sp useBgFill="1">
+        <p:nvSpPr>
+          <p:cNvPr id="21" name="Rectangle 20">
+            <a:extLst>
+              <a:ext uri="{FF2B5EF4-FFF2-40B4-BE49-F238E27FC236}">
+                <a16:creationId xmlns:a16="http://schemas.microsoft.com/office/drawing/2014/main" id="{3C38C329-05C1-44E0-942C-D7A60A7F2810}"/>
+              </a:ext>
+              <a:ext uri="{C183D7F6-B498-43B3-948B-1728B52AA6E4}">
+                <adec:decorative xmlns:adec="http://schemas.microsoft.com/office/drawing/2017/decorative" val="1"/>
+              </a:ext>
+            </a:extLst>
+          </p:cNvPr>
+          <p:cNvSpPr>
+            <a:spLocks noGrp="1" noRot="1" noChangeAspect="1" noMove="1" noResize="1" noEditPoints="1" noAdjustHandles="1" noChangeArrowheads="1" noChangeShapeType="1" noTextEdit="1"/>
+          </p:cNvSpPr>
+          <p:nvPr>
+            <p:extLst>
+              <p:ext uri="{386F3935-93C4-4BCD-93E2-E3B085C9AB24}">
+                <p16:designElem xmlns:p16="http://schemas.microsoft.com/office/powerpoint/2015/main" val="1"/>
+              </p:ext>
+            </p:extLst>
+          </p:nvPr>
+        </p:nvSpPr>
+        <p:spPr>
+          <a:xfrm>
+            <a:off x="0" y="-1"/>
+            <a:ext cx="12192000" cy="6858001"/>
+          </a:xfrm>
+          <a:prstGeom prst="rect">
+            <a:avLst/>
+          </a:prstGeom>
+          <a:ln>
+            <a:noFill/>
+          </a:ln>
+        </p:spPr>
+        <p:style>
+          <a:lnRef idx="2">
+            <a:schemeClr val="accent1">
+              <a:shade val="50000"/>
+            </a:schemeClr>
+          </a:lnRef>
+          <a:fillRef idx="1">
+            <a:schemeClr val="accent1"/>
+          </a:fillRef>
+          <a:effectRef idx="0">
+            <a:schemeClr val="accent1"/>
+          </a:effectRef>
+          <a:fontRef idx="minor">
+            <a:schemeClr val="lt1"/>
+          </a:fontRef>
+        </p:style>
+        <p:txBody>
+          <a:bodyPr rtlCol="0" anchor="ctr"/>
+          <a:lstStyle/>
+          <a:p>
+            <a:pPr algn="ctr"/>
+            <a:endParaRPr lang="en-US"/>
+          </a:p>
+        </p:txBody>
+      </p:sp>
+      <p:pic>
+        <p:nvPicPr>
+          <p:cNvPr id="23" name="Picture 22">
+            <a:extLst>
+              <a:ext uri="{FF2B5EF4-FFF2-40B4-BE49-F238E27FC236}">
+                <a16:creationId xmlns:a16="http://schemas.microsoft.com/office/drawing/2014/main" id="{A40E99DB-69B1-42D9-9A2E-A196302E0CAC}"/>
+              </a:ext>
+              <a:ext uri="{C183D7F6-B498-43B3-948B-1728B52AA6E4}">
+                <adec:decorative xmlns:adec="http://schemas.microsoft.com/office/drawing/2017/decorative" val="1"/>
+              </a:ext>
+            </a:extLst>
+          </p:cNvPr>
+          <p:cNvPicPr>
+            <a:picLocks noGrp="1" noRot="1" noChangeAspect="1" noMove="1" noResize="1" noEditPoints="1" noAdjustHandles="1" noChangeArrowheads="1" noChangeShapeType="1" noCrop="1"/>
+          </p:cNvPicPr>
+          <p:nvPr>
+            <p:extLst>
+              <p:ext uri="{386F3935-93C4-4BCD-93E2-E3B085C9AB24}">
+                <p16:designElem xmlns:p16="http://schemas.microsoft.com/office/powerpoint/2015/main" val="1"/>
+              </p:ext>
+            </p:extLst>
+          </p:nvPr>
+        </p:nvPicPr>
+        <p:blipFill>
+          <a:blip r:embed="rId4">
+            <a:extLst>
+              <a:ext uri="{28A0092B-C50C-407E-A947-70E740481C1C}">
+                <a14:useLocalDpi xmlns:a14="http://schemas.microsoft.com/office/drawing/2010/main" val="0"/>
+              </a:ext>
+            </a:extLst>
+          </a:blip>
+          <a:stretch>
+            <a:fillRect/>
+          </a:stretch>
+        </p:blipFill>
+        <p:spPr>
+          <a:xfrm>
+            <a:off x="0" y="0"/>
+            <a:ext cx="12189867" cy="6858000"/>
+          </a:xfrm>
+          <a:prstGeom prst="rect">
+            <a:avLst/>
+          </a:prstGeom>
+        </p:spPr>
+      </p:pic>
+      <p:sp>
+        <p:nvSpPr>
+          <p:cNvPr id="25" name="Rectangle 24">
+            <a:extLst>
+              <a:ext uri="{FF2B5EF4-FFF2-40B4-BE49-F238E27FC236}">
+                <a16:creationId xmlns:a16="http://schemas.microsoft.com/office/drawing/2014/main" id="{60DFF115-119D-479E-9D15-475C47026639}"/>
+              </a:ext>
+              <a:ext uri="{C183D7F6-B498-43B3-948B-1728B52AA6E4}">
+                <adec:decorative xmlns:adec="http://schemas.microsoft.com/office/drawing/2017/decorative" val="1"/>
+              </a:ext>
+            </a:extLst>
+          </p:cNvPr>
+          <p:cNvSpPr>
+            <a:spLocks noGrp="1" noRot="1" noChangeAspect="1" noMove="1" noResize="1" noEditPoints="1" noAdjustHandles="1" noChangeArrowheads="1" noChangeShapeType="1" noTextEdit="1"/>
+          </p:cNvSpPr>
+          <p:nvPr>
+            <p:extLst>
+              <p:ext uri="{386F3935-93C4-4BCD-93E2-E3B085C9AB24}">
+                <p16:designElem xmlns:p16="http://schemas.microsoft.com/office/powerpoint/2015/main" val="1"/>
+              </p:ext>
+            </p:extLst>
+          </p:nvPr>
+        </p:nvSpPr>
+        <p:spPr>
+          <a:xfrm>
+            <a:off x="0" y="0"/>
+            <a:ext cx="12192000" cy="6858001"/>
+          </a:xfrm>
+          <a:prstGeom prst="rect">
+            <a:avLst/>
+          </a:prstGeom>
+          <a:solidFill>
+            <a:schemeClr val="accent6">
+              <a:lumMod val="50000"/>
+              <a:alpha val="50000"/>
+            </a:schemeClr>
+          </a:solidFill>
+          <a:ln>
+            <a:noFill/>
+          </a:ln>
+        </p:spPr>
+        <p:style>
+          <a:lnRef idx="2">
+            <a:schemeClr val="accent1">
+              <a:shade val="50000"/>
+            </a:schemeClr>
+          </a:lnRef>
+          <a:fillRef idx="1">
+            <a:schemeClr val="accent1"/>
+          </a:fillRef>
+          <a:effectRef idx="0">
+            <a:schemeClr val="accent1"/>
+          </a:effectRef>
+          <a:fontRef idx="minor">
+            <a:schemeClr val="lt1"/>
+          </a:fontRef>
+        </p:style>
+        <p:txBody>
+          <a:bodyPr rtlCol="0" anchor="ctr"/>
+          <a:lstStyle/>
+          <a:p>
+            <a:pPr algn="ctr"/>
+            <a:endParaRPr lang="en-US"/>
+          </a:p>
+        </p:txBody>
+      </p:sp>
+      <p:sp>
+        <p:nvSpPr>
+          <p:cNvPr id="27" name="Rectangle 26">
+            <a:extLst>
+              <a:ext uri="{FF2B5EF4-FFF2-40B4-BE49-F238E27FC236}">
+                <a16:creationId xmlns:a16="http://schemas.microsoft.com/office/drawing/2014/main" id="{DA98F3A3-687B-4002-93F2-58E8590DC79F}"/>
+              </a:ext>
+              <a:ext uri="{C183D7F6-B498-43B3-948B-1728B52AA6E4}">
+                <adec:decorative xmlns:adec="http://schemas.microsoft.com/office/drawing/2017/decorative" val="1"/>
+              </a:ext>
+            </a:extLst>
+          </p:cNvPr>
+          <p:cNvSpPr>
+            <a:spLocks noGrp="1" noRot="1" noChangeAspect="1" noMove="1" noResize="1" noEditPoints="1" noAdjustHandles="1" noChangeArrowheads="1" noChangeShapeType="1" noTextEdit="1"/>
+          </p:cNvSpPr>
+          <p:nvPr>
+            <p:extLst>
+              <p:ext uri="{386F3935-93C4-4BCD-93E2-E3B085C9AB24}">
+                <p16:designElem xmlns:p16="http://schemas.microsoft.com/office/powerpoint/2015/main" val="1"/>
+              </p:ext>
+            </p:extLst>
+          </p:nvPr>
+        </p:nvSpPr>
+        <p:spPr>
+          <a:xfrm>
+            <a:off x="0" y="0"/>
+            <a:ext cx="964174" cy="6858000"/>
+          </a:xfrm>
+          <a:prstGeom prst="rect">
+            <a:avLst/>
+          </a:prstGeom>
+          <a:solidFill>
+            <a:schemeClr val="bg2">
+              <a:lumMod val="90000"/>
+              <a:lumOff val="10000"/>
+            </a:schemeClr>
+          </a:solidFill>
+          <a:ln>
+            <a:noFill/>
+          </a:ln>
+        </p:spPr>
+        <p:style>
+          <a:lnRef idx="2">
+            <a:schemeClr val="accent1">
+              <a:shade val="50000"/>
+            </a:schemeClr>
+          </a:lnRef>
+          <a:fillRef idx="1">
+            <a:schemeClr val="accent1"/>
+          </a:fillRef>
+          <a:effectRef idx="0">
+            <a:schemeClr val="accent1"/>
+          </a:effectRef>
+          <a:fontRef idx="minor">
+            <a:schemeClr val="lt1"/>
+          </a:fontRef>
+        </p:style>
+      </p:sp>
+      <p:sp>
+        <p:nvSpPr>
+          <p:cNvPr id="29" name="Rectangle 28">
+            <a:extLst>
+              <a:ext uri="{FF2B5EF4-FFF2-40B4-BE49-F238E27FC236}">
+                <a16:creationId xmlns:a16="http://schemas.microsoft.com/office/drawing/2014/main" id="{27A1367E-049C-45E5-9C32-CC32DCEAEF94}"/>
+              </a:ext>
+              <a:ext uri="{C183D7F6-B498-43B3-948B-1728B52AA6E4}">
+                <adec:decorative xmlns:adec="http://schemas.microsoft.com/office/drawing/2017/decorative" val="1"/>
+              </a:ext>
+            </a:extLst>
+          </p:cNvPr>
+          <p:cNvSpPr>
+            <a:spLocks noGrp="1" noRot="1" noChangeAspect="1" noMove="1" noResize="1" noEditPoints="1" noAdjustHandles="1" noChangeArrowheads="1" noChangeShapeType="1" noTextEdit="1"/>
+          </p:cNvSpPr>
+          <p:nvPr>
+            <p:extLst>
+              <p:ext uri="{386F3935-93C4-4BCD-93E2-E3B085C9AB24}">
+                <p16:designElem xmlns:p16="http://schemas.microsoft.com/office/powerpoint/2015/main" val="1"/>
+              </p:ext>
+            </p:extLst>
+          </p:nvPr>
+        </p:nvSpPr>
+        <p:spPr>
+          <a:xfrm>
+            <a:off x="964174" y="0"/>
+            <a:ext cx="9590000" cy="6858000"/>
+          </a:xfrm>
+          <a:prstGeom prst="rect">
+            <a:avLst/>
+          </a:prstGeom>
+          <a:solidFill>
+            <a:schemeClr val="bg2"/>
+          </a:solidFill>
+          <a:ln>
+            <a:noFill/>
+          </a:ln>
+        </p:spPr>
+        <p:style>
+          <a:lnRef idx="2">
+            <a:schemeClr val="accent1">
+              <a:shade val="50000"/>
+            </a:schemeClr>
+          </a:lnRef>
+          <a:fillRef idx="1">
+            <a:schemeClr val="accent1"/>
+          </a:fillRef>
+          <a:effectRef idx="0">
+            <a:schemeClr val="accent1"/>
+          </a:effectRef>
+          <a:fontRef idx="minor">
+            <a:schemeClr val="lt1"/>
+          </a:fontRef>
+        </p:style>
+      </p:sp>
+      <p:sp>
+        <p:nvSpPr>
+          <p:cNvPr id="2" name="Title 1">
+            <a:extLst>
+              <a:ext uri="{FF2B5EF4-FFF2-40B4-BE49-F238E27FC236}">
+                <a16:creationId xmlns:a16="http://schemas.microsoft.com/office/drawing/2014/main" id="{23CBEC94-A3AB-C695-385D-78A8885142F4}"/>
+              </a:ext>
+            </a:extLst>
+          </p:cNvPr>
+          <p:cNvSpPr>
+            <a:spLocks noGrp="1"/>
+          </p:cNvSpPr>
+          <p:nvPr>
+            <p:ph type="title"/>
+          </p:nvPr>
+        </p:nvSpPr>
+        <p:spPr>
+          <a:xfrm>
+            <a:off x="1330284" y="144966"/>
+            <a:ext cx="8513100" cy="5460329"/>
+          </a:xfrm>
+        </p:spPr>
+        <p:txBody>
+          <a:bodyPr vert="horz" lIns="91440" tIns="45720" rIns="91440" bIns="45720" rtlCol="0" anchor="ctr">
+            <a:normAutofit fontScale="90000"/>
+          </a:bodyPr>
+          <a:lstStyle/>
+          <a:p>
+            <a:pPr algn="ctr"/>
+            <a:r>
+              <a:rPr lang="en-US" sz="4000" dirty="0"/>
+              <a:t>PURPOSE</a:t>
+            </a:r>
+            <a:br>
+              <a:rPr lang="en-US" sz="4000" dirty="0"/>
+            </a:br>
+            <a:br>
+              <a:rPr lang="en-US" sz="4000" dirty="0"/>
+            </a:br>
+            <a:br>
+              <a:rPr lang="en-US" sz="2900" dirty="0"/>
+            </a:br>
+            <a:r>
+              <a:rPr lang="en-US" sz="2900" dirty="0"/>
+              <a:t>In recent times, finding the ideal housing option according to budget and preferences is such a hassle. The cost of house rent depends on many factors such as; the house size, number of bedrooms, locality, number of bathrooms, halls, and kitchen, furnishing status, and a lot more. With the use of appropriate machine learning algorithms, real estate owners can find the ideal house according to customers’ budgets and preferences with ease.</a:t>
+            </a:r>
+            <a:br>
+              <a:rPr lang="en-US" sz="2900" dirty="0"/>
+            </a:br>
+            <a:br>
+              <a:rPr lang="en-US" sz="2900" dirty="0"/>
+            </a:br>
+            <a:endParaRPr lang="en-US" sz="2900" dirty="0"/>
+          </a:p>
+        </p:txBody>
+      </p:sp>
+      <p:sp>
+        <p:nvSpPr>
+          <p:cNvPr id="31" name="Rectangle 30">
+            <a:extLst>
+              <a:ext uri="{FF2B5EF4-FFF2-40B4-BE49-F238E27FC236}">
+                <a16:creationId xmlns:a16="http://schemas.microsoft.com/office/drawing/2014/main" id="{7E1CAA8C-D8F1-4D3B-87B4-4B17F3E28819}"/>
+              </a:ext>
+              <a:ext uri="{C183D7F6-B498-43B3-948B-1728B52AA6E4}">
+                <adec:decorative xmlns:adec="http://schemas.microsoft.com/office/drawing/2017/decorative" val="1"/>
+              </a:ext>
+            </a:extLst>
+          </p:cNvPr>
+          <p:cNvSpPr>
+            <a:spLocks noGrp="1" noRot="1" noChangeAspect="1" noMove="1" noResize="1" noEditPoints="1" noAdjustHandles="1" noChangeArrowheads="1" noChangeShapeType="1" noTextEdit="1"/>
+          </p:cNvSpPr>
+          <p:nvPr>
+            <p:extLst>
+              <p:ext uri="{386F3935-93C4-4BCD-93E2-E3B085C9AB24}">
+                <p16:designElem xmlns:p16="http://schemas.microsoft.com/office/powerpoint/2015/main" val="1"/>
+              </p:ext>
+            </p:extLst>
+          </p:nvPr>
+        </p:nvSpPr>
+        <p:spPr>
+          <a:xfrm>
+            <a:off x="10545674" y="0"/>
+            <a:ext cx="27432" cy="6858000"/>
+          </a:xfrm>
+          <a:prstGeom prst="rect">
+            <a:avLst/>
+          </a:prstGeom>
+          <a:solidFill>
+            <a:schemeClr val="accent6">
+              <a:lumMod val="50000"/>
+            </a:schemeClr>
+          </a:solidFill>
+          <a:ln>
+            <a:noFill/>
+          </a:ln>
+        </p:spPr>
+        <p:style>
+          <a:lnRef idx="2">
+            <a:schemeClr val="accent1">
+              <a:shade val="50000"/>
+            </a:schemeClr>
+          </a:lnRef>
+          <a:fillRef idx="1">
+            <a:schemeClr val="accent1"/>
+          </a:fillRef>
+          <a:effectRef idx="0">
+            <a:schemeClr val="accent1"/>
+          </a:effectRef>
+          <a:fontRef idx="minor">
+            <a:schemeClr val="lt1"/>
+          </a:fontRef>
+        </p:style>
+      </p:sp>
+    </p:spTree>
+    <p:extLst>
+      <p:ext uri="{BB962C8B-B14F-4D97-AF65-F5344CB8AC3E}">
+        <p14:creationId xmlns:p14="http://schemas.microsoft.com/office/powerpoint/2010/main" val="809496311"/>
       </p:ext>
     </p:extLst>
   </p:cSld>
